--- a/data/SamplePPTX.pptx
+++ b/data/SamplePPTX.pptx
@@ -237,7 +237,7 @@
           <a:p>
             <a:fld id="{F73F0BFC-2C88-4AAF-B42F-33B416312C7A}" type="datetimeFigureOut">
               <a:rPr lang="en-US" smtClean="0"/>
-              <a:t>2/23/2017</a:t>
+              <a:t>5/6/2009</a:t>
             </a:fld>
             <a:endParaRPr lang="en-US"/>
           </a:p>
@@ -436,7 +436,7 @@
           <a:p>
             <a:fld id="{F73F0BFC-2C88-4AAF-B42F-33B416312C7A}" type="datetimeFigureOut">
               <a:rPr lang="en-US" smtClean="0"/>
-              <a:t>2/23/2017</a:t>
+              <a:t>5/6/2009</a:t>
             </a:fld>
             <a:endParaRPr lang="en-US"/>
           </a:p>
@@ -629,7 +629,7 @@
           <a:p>
             <a:fld id="{F73F0BFC-2C88-4AAF-B42F-33B416312C7A}" type="datetimeFigureOut">
               <a:rPr lang="en-US" smtClean="0"/>
-              <a:t>2/23/2017</a:t>
+              <a:t>5/6/2009</a:t>
             </a:fld>
             <a:endParaRPr lang="en-US"/>
           </a:p>
@@ -812,7 +812,7 @@
           <a:p>
             <a:fld id="{F73F0BFC-2C88-4AAF-B42F-33B416312C7A}" type="datetimeFigureOut">
               <a:rPr lang="en-US" smtClean="0"/>
-              <a:t>2/23/2017</a:t>
+              <a:t>5/6/2009</a:t>
             </a:fld>
             <a:endParaRPr lang="en-US"/>
           </a:p>
@@ -1017,7 +1017,7 @@
           <a:p>
             <a:fld id="{F73F0BFC-2C88-4AAF-B42F-33B416312C7A}" type="datetimeFigureOut">
               <a:rPr lang="en-US" smtClean="0"/>
-              <a:t>2/23/2017</a:t>
+              <a:t>5/6/2009</a:t>
             </a:fld>
             <a:endParaRPr lang="en-US"/>
           </a:p>
@@ -1318,7 +1318,7 @@
           <a:p>
             <a:fld id="{F73F0BFC-2C88-4AAF-B42F-33B416312C7A}" type="datetimeFigureOut">
               <a:rPr lang="en-US" smtClean="0"/>
-              <a:t>2/23/2017</a:t>
+              <a:t>5/6/2009</a:t>
             </a:fld>
             <a:endParaRPr lang="en-US"/>
           </a:p>
@@ -1758,7 +1758,7 @@
           <a:p>
             <a:fld id="{F73F0BFC-2C88-4AAF-B42F-33B416312C7A}" type="datetimeFigureOut">
               <a:rPr lang="en-US" smtClean="0"/>
-              <a:t>2/23/2017</a:t>
+              <a:t>5/6/2009</a:t>
             </a:fld>
             <a:endParaRPr lang="en-US"/>
           </a:p>
@@ -1889,7 +1889,7 @@
           <a:p>
             <a:fld id="{F73F0BFC-2C88-4AAF-B42F-33B416312C7A}" type="datetimeFigureOut">
               <a:rPr lang="en-US" smtClean="0"/>
-              <a:t>2/23/2017</a:t>
+              <a:t>5/6/2009</a:t>
             </a:fld>
             <a:endParaRPr lang="en-US"/>
           </a:p>
@@ -1997,7 +1997,7 @@
           <a:p>
             <a:fld id="{F73F0BFC-2C88-4AAF-B42F-33B416312C7A}" type="datetimeFigureOut">
               <a:rPr lang="en-US" smtClean="0"/>
-              <a:t>2/23/2017</a:t>
+              <a:t>5/6/2009</a:t>
             </a:fld>
             <a:endParaRPr lang="en-US"/>
           </a:p>
@@ -2287,7 +2287,7 @@
           <a:p>
             <a:fld id="{F73F0BFC-2C88-4AAF-B42F-33B416312C7A}" type="datetimeFigureOut">
               <a:rPr lang="en-US" smtClean="0"/>
-              <a:t>2/23/2017</a:t>
+              <a:t>5/6/2009</a:t>
             </a:fld>
             <a:endParaRPr lang="en-US"/>
           </a:p>
@@ -2466,6 +2466,7 @@
               <a:rPr lang="en-US" noProof="0" smtClean="0"/>
               <a:t>Click icon to add picture</a:t>
             </a:r>
+            <a:endParaRPr lang="en-US" noProof="0" smtClean="0"/>
           </a:p>
         </p:txBody>
       </p:sp>
@@ -2557,7 +2558,7 @@
           <a:p>
             <a:fld id="{F73F0BFC-2C88-4AAF-B42F-33B416312C7A}" type="datetimeFigureOut">
               <a:rPr lang="en-US" smtClean="0"/>
-              <a:t>2/23/2017</a:t>
+              <a:t>5/6/2009</a:t>
             </a:fld>
             <a:endParaRPr lang="en-US"/>
           </a:p>
@@ -2763,6 +2764,7 @@
               <a:rPr lang="en-US" smtClean="0"/>
               <a:t>Fifth level</a:t>
             </a:r>
+            <a:endParaRPr lang="en-US" smtClean="0"/>
           </a:p>
         </p:txBody>
       </p:sp>
@@ -2811,7 +2813,7 @@
           <a:p>
             <a:fld id="{F73F0BFC-2C88-4AAF-B42F-33B416312C7A}" type="datetimeFigureOut">
               <a:rPr lang="en-US" smtClean="0"/>
-              <a:t>2/23/2017</a:t>
+              <a:t>5/6/2009</a:t>
             </a:fld>
             <a:endParaRPr lang="en-US"/>
           </a:p>
